--- a/资料/课件/OC/OC语言-1.3-类和对象的关系.pptx
+++ b/资料/课件/OC/OC语言-1.3-类和对象的关系.pptx
@@ -5,18 +5,25 @@
     <p:sldMasterId id="2147488748" r:id="rId1"/>
   </p:sldMasterIdLst>
   <p:notesMasterIdLst>
-    <p:notesMasterId r:id="rId3"/>
+    <p:notesMasterId r:id="rId10"/>
   </p:notesMasterIdLst>
   <p:handoutMasterIdLst>
-    <p:handoutMasterId r:id="rId4"/>
+    <p:handoutMasterId r:id="rId11"/>
   </p:handoutMasterIdLst>
   <p:sldIdLst>
     <p:sldId id="1551" r:id="rId2"/>
+    <p:sldId id="1552" r:id="rId3"/>
+    <p:sldId id="1559" r:id="rId4"/>
+    <p:sldId id="1558" r:id="rId5"/>
+    <p:sldId id="1553" r:id="rId6"/>
+    <p:sldId id="1554" r:id="rId7"/>
+    <p:sldId id="1556" r:id="rId8"/>
+    <p:sldId id="1557" r:id="rId9"/>
   </p:sldIdLst>
   <p:sldSz cx="9144000" cy="6858000" type="screen4x3"/>
   <p:notesSz cx="6797675" cy="9874250"/>
   <p:custDataLst>
-    <p:tags r:id="rId6"/>
+    <p:tags r:id="rId13"/>
   </p:custDataLst>
   <p:defaultTextStyle>
     <a:defPPr>
@@ -149,6 +156,13 @@
         <p14:section name="Default Section" id="{5009879F-230C-4AAA-9B60-41FFDFBA99F4}">
           <p14:sldIdLst>
             <p14:sldId id="1551"/>
+            <p14:sldId id="1552"/>
+            <p14:sldId id="1559"/>
+            <p14:sldId id="1558"/>
+            <p14:sldId id="1553"/>
+            <p14:sldId id="1554"/>
+            <p14:sldId id="1556"/>
+            <p14:sldId id="1557"/>
           </p14:sldIdLst>
         </p14:section>
       </p14:sectionLst>
@@ -272,7 +286,7 @@
                 <a:ea typeface="微软雅黑" pitchFamily="34" charset="-122"/>
               </a:rPr>
               <a:pPr/>
-              <a:t>15/3/16</a:t>
+              <a:t>15/3/23</a:t>
             </a:fld>
             <a:endParaRPr lang="zh-CN" altLang="en-US" dirty="0">
               <a:ea typeface="微软雅黑" pitchFamily="34" charset="-122"/>
@@ -476,7 +490,7 @@
             <a:fld id="{DF9E65B2-A0B4-4242-9432-201E84F17494}" type="datetime1">
               <a:rPr lang="en-US" smtClean="0"/>
               <a:pPr/>
-              <a:t>15/3/16</a:t>
+              <a:t>15/3/23</a:t>
             </a:fld>
             <a:endParaRPr lang="en-US" dirty="0"/>
           </a:p>
@@ -1405,7 +1419,7 @@
             <a:fld id="{055FF6D4-D4D7-426A-98F7-170A3668379E}" type="datetime1">
               <a:rPr lang="en-US" smtClean="0"/>
               <a:pPr/>
-              <a:t>15/3/16</a:t>
+              <a:t>15/3/23</a:t>
             </a:fld>
             <a:endParaRPr lang="en-US" dirty="0"/>
           </a:p>
@@ -2032,7 +2046,7 @@
             <a:fld id="{74CBEAF9-9E58-4CC8-A6FF-6DD8A58DEEA4}" type="datetimeFigureOut">
               <a:rPr lang="en-US" smtClean="0"/>
               <a:pPr eaLnBrk="1" latinLnBrk="0" hangingPunct="1"/>
-              <a:t>15/3/16</a:t>
+              <a:t>15/3/23</a:t>
             </a:fld>
             <a:endParaRPr lang="en-US"/>
           </a:p>
@@ -2550,7 +2564,7 @@
             <a:fld id="{74CBEAF9-9E58-4CC8-A6FF-6DD8A58DEEA4}" type="datetimeFigureOut">
               <a:rPr lang="en-US" smtClean="0"/>
               <a:pPr algn="l" eaLnBrk="1" latinLnBrk="0" hangingPunct="1"/>
-              <a:t>15/3/16</a:t>
+              <a:t>15/3/23</a:t>
             </a:fld>
             <a:endParaRPr lang="en-US" dirty="0">
               <a:solidFill>
@@ -3085,7 +3099,7 @@
             <a:fld id="{74CBEAF9-9E58-4CC8-A6FF-6DD8A58DEEA4}" type="datetimeFigureOut">
               <a:rPr lang="en-US" smtClean="0"/>
               <a:pPr algn="l" eaLnBrk="1" latinLnBrk="0" hangingPunct="1"/>
-              <a:t>15/3/16</a:t>
+              <a:t>15/3/23</a:t>
             </a:fld>
             <a:endParaRPr lang="en-US" dirty="0">
               <a:solidFill>
@@ -3921,7 +3935,7 @@
             <a:fld id="{74CBEAF9-9E58-4CC8-A6FF-6DD8A58DEEA4}" type="datetimeFigureOut">
               <a:rPr lang="en-US" smtClean="0"/>
               <a:pPr eaLnBrk="1" latinLnBrk="0" hangingPunct="1"/>
-              <a:t>15/3/16</a:t>
+              <a:t>15/3/23</a:t>
             </a:fld>
             <a:endParaRPr lang="en-US"/>
           </a:p>
@@ -4503,7 +4517,7 @@
             <a:fld id="{42295D47-465E-4A05-802B-049480555B6D}" type="datetime1">
               <a:rPr lang="en-US" smtClean="0"/>
               <a:pPr/>
-              <a:t>15/3/16</a:t>
+              <a:t>15/3/23</a:t>
             </a:fld>
             <a:endParaRPr lang="en-US"/>
           </a:p>
@@ -5134,7 +5148,7 @@
             <a:fld id="{74CBEAF9-9E58-4CC8-A6FF-6DD8A58DEEA4}" type="datetimeFigureOut">
               <a:rPr lang="en-US" smtClean="0"/>
               <a:pPr algn="l" eaLnBrk="1" latinLnBrk="0" hangingPunct="1"/>
-              <a:t>15/3/16</a:t>
+              <a:t>15/3/23</a:t>
             </a:fld>
             <a:endParaRPr lang="en-US" dirty="0">
               <a:solidFill>
@@ -5916,7 +5930,7 @@
             <a:fld id="{74CBEAF9-9E58-4CC8-A6FF-6DD8A58DEEA4}" type="datetimeFigureOut">
               <a:rPr lang="en-US" smtClean="0"/>
               <a:pPr eaLnBrk="1" latinLnBrk="0" hangingPunct="1"/>
-              <a:t>15/3/16</a:t>
+              <a:t>15/3/23</a:t>
             </a:fld>
             <a:endParaRPr lang="en-US"/>
           </a:p>
@@ -6377,7 +6391,7 @@
             <a:fld id="{74CBEAF9-9E58-4CC8-A6FF-6DD8A58DEEA4}" type="datetimeFigureOut">
               <a:rPr lang="en-US" smtClean="0"/>
               <a:pPr eaLnBrk="1" latinLnBrk="0" hangingPunct="1"/>
-              <a:t>15/3/16</a:t>
+              <a:t>15/3/23</a:t>
             </a:fld>
             <a:endParaRPr lang="en-US"/>
           </a:p>
@@ -6806,7 +6820,7 @@
             <a:fld id="{74CBEAF9-9E58-4CC8-A6FF-6DD8A58DEEA4}" type="datetimeFigureOut">
               <a:rPr lang="en-US" smtClean="0"/>
               <a:pPr eaLnBrk="1" latinLnBrk="0" hangingPunct="1"/>
-              <a:t>15/3/16</a:t>
+              <a:t>15/3/23</a:t>
             </a:fld>
             <a:endParaRPr lang="en-US"/>
           </a:p>
@@ -7427,7 +7441,7 @@
             <a:fld id="{74CBEAF9-9E58-4CC8-A6FF-6DD8A58DEEA4}" type="datetimeFigureOut">
               <a:rPr lang="en-US" smtClean="0"/>
               <a:pPr eaLnBrk="1" latinLnBrk="0" hangingPunct="1"/>
-              <a:t>15/3/16</a:t>
+              <a:t>15/3/23</a:t>
             </a:fld>
             <a:endParaRPr lang="en-US"/>
           </a:p>
@@ -7692,7 +7706,7 @@
             <a:fld id="{74CBEAF9-9E58-4CC8-A6FF-6DD8A58DEEA4}" type="datetimeFigureOut">
               <a:rPr lang="en-US" smtClean="0"/>
               <a:pPr algn="l" eaLnBrk="1" latinLnBrk="0" hangingPunct="1"/>
-              <a:t>15/3/16</a:t>
+              <a:t>15/3/23</a:t>
             </a:fld>
             <a:endParaRPr lang="en-US" dirty="0">
               <a:solidFill>
@@ -8440,7 +8454,6 @@
               <a:rPr kumimoji="1" lang="zh-CN" altLang="en-US" sz="3600" dirty="0"/>
               <a:t>类和对象的关系</a:t>
             </a:r>
-            <a:endParaRPr kumimoji="1" lang="zh-CN" altLang="en-US" sz="3600" dirty="0"/>
           </a:p>
         </p:txBody>
       </p:sp>
@@ -8448,6 +8461,1672 @@
     <p:extLst>
       <p:ext uri="{BB962C8B-B14F-4D97-AF65-F5344CB8AC3E}">
         <p14:creationId xmlns:p14="http://schemas.microsoft.com/office/powerpoint/2010/main" val="2973930980"/>
+      </p:ext>
+    </p:extLst>
+  </p:cSld>
+  <p:clrMapOvr>
+    <a:masterClrMapping/>
+  </p:clrMapOvr>
+  <p:timing>
+    <p:tnLst>
+      <p:par>
+        <p:cTn xmlns:p14="http://schemas.microsoft.com/office/powerpoint/2010/main" id="1" dur="indefinite" restart="never" nodeType="tmRoot"/>
+      </p:par>
+    </p:tnLst>
+  </p:timing>
+</p:sld>
+</file>
+
+<file path=ppt/slides/slide2.xml><?xml version="1.0" encoding="utf-8"?>
+<p:sld xmlns:a="http://schemas.openxmlformats.org/drawingml/2006/main" xmlns:r="http://schemas.openxmlformats.org/officeDocument/2006/relationships" xmlns:p="http://schemas.openxmlformats.org/presentationml/2006/main">
+  <p:cSld>
+    <p:spTree>
+      <p:nvGrpSpPr>
+        <p:cNvPr id="1" name=""/>
+        <p:cNvGrpSpPr/>
+        <p:nvPr/>
+      </p:nvGrpSpPr>
+      <p:grpSpPr>
+        <a:xfrm>
+          <a:off x="0" y="0"/>
+          <a:ext cx="0" cy="0"/>
+          <a:chOff x="0" y="0"/>
+          <a:chExt cx="0" cy="0"/>
+        </a:xfrm>
+      </p:grpSpPr>
+      <p:sp>
+        <p:nvSpPr>
+          <p:cNvPr id="2" name="标题 1"/>
+          <p:cNvSpPr>
+            <a:spLocks noGrp="1"/>
+          </p:cNvSpPr>
+          <p:nvPr>
+            <p:ph type="title"/>
+          </p:nvPr>
+        </p:nvSpPr>
+        <p:spPr/>
+        <p:txBody>
+          <a:bodyPr/>
+          <a:lstStyle/>
+          <a:p>
+            <a:pPr lvl="0"/>
+            <a:r>
+              <a:rPr lang="zh-CN" altLang="zh-CN" b="0" dirty="0">
+                <a:effectLst/>
+              </a:rPr>
+              <a:t>类和对象的关系</a:t>
+            </a:r>
+          </a:p>
+        </p:txBody>
+      </p:sp>
+      <p:sp>
+        <p:nvSpPr>
+          <p:cNvPr id="3" name="幻灯片编号占位符 2"/>
+          <p:cNvSpPr>
+            <a:spLocks noGrp="1"/>
+          </p:cNvSpPr>
+          <p:nvPr>
+            <p:ph type="sldNum" sz="quarter" idx="4"/>
+          </p:nvPr>
+        </p:nvSpPr>
+        <p:spPr/>
+        <p:txBody>
+          <a:bodyPr/>
+          <a:lstStyle/>
+          <a:p>
+            <a:fld id="{BF10DB53-D7D3-4DB6-A29F-40217B92EC88}" type="slidenum">
+              <a:rPr lang="en-US" smtClean="0"/>
+              <a:pPr/>
+              <a:t>1</a:t>
+            </a:fld>
+            <a:endParaRPr lang="en-US" dirty="0"/>
+          </a:p>
+        </p:txBody>
+      </p:sp>
+      <p:sp>
+        <p:nvSpPr>
+          <p:cNvPr id="5" name="文本框 4"/>
+          <p:cNvSpPr txBox="1"/>
+          <p:nvPr/>
+        </p:nvSpPr>
+        <p:spPr>
+          <a:xfrm>
+            <a:off x="179512" y="1268760"/>
+            <a:ext cx="8784976" cy="5309146"/>
+          </a:xfrm>
+          <a:prstGeom prst="rect">
+            <a:avLst/>
+          </a:prstGeom>
+          <a:noFill/>
+        </p:spPr>
+        <p:txBody>
+          <a:bodyPr wrap="square" rtlCol="0">
+            <a:spAutoFit/>
+          </a:bodyPr>
+          <a:lstStyle/>
+          <a:p>
+            <a:r>
+              <a:rPr lang="zh-CN" altLang="zh-CN" sz="2000" dirty="0" smtClean="0"/>
+              <a:t>面向对</a:t>
+            </a:r>
+            <a:r>
+              <a:rPr lang="zh-CN" altLang="zh-CN" sz="2000" dirty="0"/>
+              <a:t>象中有</a:t>
+            </a:r>
+            <a:r>
+              <a:rPr lang="en-US" altLang="zh-CN" sz="2000" dirty="0"/>
+              <a:t>2</a:t>
+            </a:r>
+            <a:r>
+              <a:rPr lang="zh-CN" altLang="zh-CN" sz="2000" dirty="0"/>
+              <a:t>个非常重要的概念：类和对象</a:t>
+            </a:r>
+          </a:p>
+          <a:p>
+            <a:pPr lvl="0"/>
+            <a:endParaRPr lang="en-US" altLang="zh-CN" sz="2000" b="1" dirty="0" smtClean="0"/>
+          </a:p>
+          <a:p>
+            <a:r>
+              <a:rPr lang="en-US" altLang="zh-CN" sz="2000" b="1" dirty="0" smtClean="0"/>
+              <a:t>1</a:t>
+            </a:r>
+            <a:r>
+              <a:rPr lang="zh-CN" altLang="en-US" sz="2000" b="1" dirty="0" smtClean="0"/>
+              <a:t>、</a:t>
+            </a:r>
+            <a:r>
+              <a:rPr lang="zh-CN" altLang="zh-CN" sz="2000" b="1" dirty="0" smtClean="0"/>
+              <a:t>如何创建对象</a:t>
+            </a:r>
+            <a:endParaRPr lang="en-US" altLang="zh-CN" sz="2000" b="1" dirty="0" smtClean="0"/>
+          </a:p>
+          <a:p>
+            <a:endParaRPr lang="en-US" altLang="zh-CN" sz="2000" b="1" dirty="0" smtClean="0"/>
+          </a:p>
+          <a:p>
+            <a:pPr marL="514350" lvl="0" indent="-514350">
+              <a:lnSpc>
+                <a:spcPct val="130000"/>
+              </a:lnSpc>
+              <a:buFont typeface="+mj-lt"/>
+              <a:buAutoNum type="alphaLcParenR"/>
+            </a:pPr>
+            <a:r>
+              <a:rPr lang="zh-CN" altLang="zh-CN" sz="2000" dirty="0"/>
+              <a:t>面向对象解决问题的时候必须有对象，那如何创建对象呢？</a:t>
+            </a:r>
+          </a:p>
+          <a:p>
+            <a:pPr>
+              <a:lnSpc>
+                <a:spcPct val="130000"/>
+              </a:lnSpc>
+            </a:pPr>
+            <a:r>
+              <a:rPr lang="en-US" altLang="zh-CN" sz="2000" dirty="0"/>
+              <a:t> </a:t>
+            </a:r>
+            <a:endParaRPr lang="zh-CN" altLang="zh-CN" sz="2000" dirty="0"/>
+          </a:p>
+          <a:p>
+            <a:pPr marL="514350" lvl="0" indent="-514350">
+              <a:lnSpc>
+                <a:spcPct val="130000"/>
+              </a:lnSpc>
+              <a:buFont typeface="+mj-lt"/>
+              <a:buAutoNum type="alphaLcParenR" startAt="2"/>
+            </a:pPr>
+            <a:r>
+              <a:rPr lang="zh-CN" altLang="zh-CN" sz="2000" dirty="0"/>
+              <a:t>现实生活的例子：如何创造汽车对象？</a:t>
+            </a:r>
+          </a:p>
+          <a:p>
+            <a:pPr lvl="0">
+              <a:lnSpc>
+                <a:spcPct val="130000"/>
+              </a:lnSpc>
+            </a:pPr>
+            <a:r>
+              <a:rPr lang="zh-CN" altLang="zh-CN" sz="2000" dirty="0"/>
+              <a:t>需要先有汽车的建造图纸，图纸上描述清楚汽车应该具备的属性和功能（行为）</a:t>
+            </a:r>
+          </a:p>
+          <a:p>
+            <a:pPr marL="342900" lvl="0" indent="-342900">
+              <a:lnSpc>
+                <a:spcPct val="130000"/>
+              </a:lnSpc>
+              <a:buFont typeface="Wingdings" charset="2"/>
+              <a:buChar char="Ø"/>
+            </a:pPr>
+            <a:r>
+              <a:rPr lang="zh-CN" altLang="zh-CN" sz="2000" dirty="0"/>
+              <a:t>属性：轮子数、时速</a:t>
+            </a:r>
+          </a:p>
+          <a:p>
+            <a:pPr marL="342900" lvl="0" indent="-342900">
+              <a:lnSpc>
+                <a:spcPct val="130000"/>
+              </a:lnSpc>
+              <a:buFont typeface="Wingdings" charset="2"/>
+              <a:buChar char="Ø"/>
+            </a:pPr>
+            <a:r>
+              <a:rPr lang="zh-CN" altLang="zh-CN" sz="2000" dirty="0"/>
+              <a:t>功能（行为）：跑</a:t>
+            </a:r>
+          </a:p>
+          <a:p>
+            <a:pPr marL="457200" lvl="0" indent="-457200">
+              <a:lnSpc>
+                <a:spcPct val="130000"/>
+              </a:lnSpc>
+              <a:buFont typeface="+mj-lt"/>
+              <a:buAutoNum type="alphaLcParenR" startAt="3"/>
+            </a:pPr>
+            <a:r>
+              <a:rPr lang="zh-CN" altLang="zh-CN" sz="2000" dirty="0"/>
+              <a:t>然后再根据图纸上的描述生成汽车</a:t>
+            </a:r>
+          </a:p>
+          <a:p>
+            <a:pPr marL="457200" lvl="0" indent="-457200">
+              <a:lnSpc>
+                <a:spcPct val="130000"/>
+              </a:lnSpc>
+              <a:buFont typeface="+mj-lt"/>
+              <a:buAutoNum type="alphaLcParenR" startAt="3"/>
+            </a:pPr>
+            <a:r>
+              <a:rPr lang="zh-CN" altLang="zh-CN" sz="2000" dirty="0"/>
+              <a:t>每一辆汽车都是对象，都有自己具体的属性值，都是图纸的实例</a:t>
+            </a:r>
+          </a:p>
+          <a:p>
+            <a:pPr marL="457200" lvl="0" indent="-457200">
+              <a:lnSpc>
+                <a:spcPct val="130000"/>
+              </a:lnSpc>
+              <a:buFont typeface="+mj-lt"/>
+              <a:buAutoNum type="alphaLcParenR" startAt="3"/>
+            </a:pPr>
+            <a:r>
+              <a:rPr lang="zh-CN" altLang="zh-CN" sz="2000" dirty="0"/>
+              <a:t>图纸是抽象的，房子是具体的。图纸是对房子对象的高度</a:t>
+            </a:r>
+            <a:r>
+              <a:rPr lang="zh-CN" altLang="zh-CN" sz="2000" dirty="0" smtClean="0"/>
+              <a:t>概括</a:t>
+            </a:r>
+            <a:endParaRPr lang="zh-CN" altLang="zh-CN" sz="2000" dirty="0"/>
+          </a:p>
+        </p:txBody>
+      </p:sp>
+    </p:spTree>
+    <p:extLst>
+      <p:ext uri="{BB962C8B-B14F-4D97-AF65-F5344CB8AC3E}">
+        <p14:creationId xmlns:p14="http://schemas.microsoft.com/office/powerpoint/2010/main" val="3981264698"/>
+      </p:ext>
+    </p:extLst>
+  </p:cSld>
+  <p:clrMapOvr>
+    <a:masterClrMapping/>
+  </p:clrMapOvr>
+  <p:timing>
+    <p:tnLst>
+      <p:par>
+        <p:cTn xmlns:p14="http://schemas.microsoft.com/office/powerpoint/2010/main" id="1" dur="indefinite" restart="never" nodeType="tmRoot"/>
+      </p:par>
+    </p:tnLst>
+  </p:timing>
+</p:sld>
+</file>
+
+<file path=ppt/slides/slide3.xml><?xml version="1.0" encoding="utf-8"?>
+<p:sld xmlns:a="http://schemas.openxmlformats.org/drawingml/2006/main" xmlns:r="http://schemas.openxmlformats.org/officeDocument/2006/relationships" xmlns:p="http://schemas.openxmlformats.org/presentationml/2006/main">
+  <p:cSld>
+    <p:spTree>
+      <p:nvGrpSpPr>
+        <p:cNvPr id="1" name=""/>
+        <p:cNvGrpSpPr/>
+        <p:nvPr/>
+      </p:nvGrpSpPr>
+      <p:grpSpPr>
+        <a:xfrm>
+          <a:off x="0" y="0"/>
+          <a:ext cx="0" cy="0"/>
+          <a:chOff x="0" y="0"/>
+          <a:chExt cx="0" cy="0"/>
+        </a:xfrm>
+      </p:grpSpPr>
+      <p:sp>
+        <p:nvSpPr>
+          <p:cNvPr id="2" name="标题 1"/>
+          <p:cNvSpPr>
+            <a:spLocks noGrp="1"/>
+          </p:cNvSpPr>
+          <p:nvPr>
+            <p:ph type="title"/>
+          </p:nvPr>
+        </p:nvSpPr>
+        <p:spPr/>
+        <p:txBody>
+          <a:bodyPr/>
+          <a:lstStyle/>
+          <a:p>
+            <a:pPr lvl="0"/>
+            <a:r>
+              <a:rPr lang="zh-CN" altLang="zh-CN" b="0" dirty="0">
+                <a:effectLst/>
+              </a:rPr>
+              <a:t>类和对象的关系</a:t>
+            </a:r>
+          </a:p>
+        </p:txBody>
+      </p:sp>
+      <p:sp>
+        <p:nvSpPr>
+          <p:cNvPr id="3" name="幻灯片编号占位符 2"/>
+          <p:cNvSpPr>
+            <a:spLocks noGrp="1"/>
+          </p:cNvSpPr>
+          <p:nvPr>
+            <p:ph type="sldNum" sz="quarter" idx="4"/>
+          </p:nvPr>
+        </p:nvSpPr>
+        <p:spPr/>
+        <p:txBody>
+          <a:bodyPr/>
+          <a:lstStyle/>
+          <a:p>
+            <a:fld id="{BF10DB53-D7D3-4DB6-A29F-40217B92EC88}" type="slidenum">
+              <a:rPr lang="en-US" smtClean="0"/>
+              <a:pPr/>
+              <a:t>2</a:t>
+            </a:fld>
+            <a:endParaRPr lang="en-US" dirty="0"/>
+          </a:p>
+        </p:txBody>
+      </p:sp>
+      <p:sp>
+        <p:nvSpPr>
+          <p:cNvPr id="5" name="文本框 4"/>
+          <p:cNvSpPr txBox="1"/>
+          <p:nvPr/>
+        </p:nvSpPr>
+        <p:spPr>
+          <a:xfrm>
+            <a:off x="179512" y="1268760"/>
+            <a:ext cx="8352928" cy="3298339"/>
+          </a:xfrm>
+          <a:prstGeom prst="rect">
+            <a:avLst/>
+          </a:prstGeom>
+          <a:noFill/>
+        </p:spPr>
+        <p:txBody>
+          <a:bodyPr wrap="square" rtlCol="0">
+            <a:spAutoFit/>
+          </a:bodyPr>
+          <a:lstStyle/>
+          <a:p>
+            <a:pPr lvl="0">
+              <a:lnSpc>
+                <a:spcPct val="150000"/>
+              </a:lnSpc>
+            </a:pPr>
+            <a:r>
+              <a:rPr lang="en-US" altLang="zh-CN" sz="2000" b="1" dirty="0" smtClean="0"/>
+              <a:t>2</a:t>
+            </a:r>
+            <a:r>
+              <a:rPr lang="zh-CN" altLang="en-US" sz="2000" b="1" dirty="0" smtClean="0"/>
+              <a:t>、</a:t>
+            </a:r>
+            <a:r>
+              <a:rPr lang="en-US" altLang="zh-CN" sz="2000" b="1" dirty="0" smtClean="0"/>
+              <a:t>OC</a:t>
+            </a:r>
+            <a:r>
+              <a:rPr lang="zh-CN" altLang="zh-CN" sz="2000" b="1" dirty="0"/>
+              <a:t>中的面相对</a:t>
+            </a:r>
+            <a:r>
+              <a:rPr lang="zh-CN" altLang="zh-CN" sz="2000" b="1" dirty="0" smtClean="0"/>
+              <a:t>象</a:t>
+            </a:r>
+            <a:endParaRPr lang="zh-CN" altLang="zh-CN" sz="2000" dirty="0"/>
+          </a:p>
+          <a:p>
+            <a:pPr lvl="0">
+              <a:lnSpc>
+                <a:spcPct val="150000"/>
+              </a:lnSpc>
+            </a:pPr>
+            <a:endParaRPr lang="en-US" altLang="zh-CN" sz="2000" b="1" dirty="0" smtClean="0"/>
+          </a:p>
+          <a:p>
+            <a:pPr marL="342900" lvl="0" indent="-342900">
+              <a:lnSpc>
+                <a:spcPct val="150000"/>
+              </a:lnSpc>
+              <a:buFont typeface="Wingdings" charset="2"/>
+              <a:buChar char="Ø"/>
+            </a:pPr>
+            <a:r>
+              <a:rPr lang="en-US" altLang="zh-CN" sz="2000" dirty="0"/>
+              <a:t>OC</a:t>
+            </a:r>
+            <a:r>
+              <a:rPr lang="zh-CN" altLang="zh-CN" sz="2000" dirty="0"/>
+              <a:t>中的类相当于图纸，用来描述一类事物。也就是说，要想创建对象，必须先有类</a:t>
+            </a:r>
+          </a:p>
+          <a:p>
+            <a:pPr marL="342900" lvl="0" indent="-342900">
+              <a:lnSpc>
+                <a:spcPct val="150000"/>
+              </a:lnSpc>
+              <a:buFont typeface="Wingdings" charset="2"/>
+              <a:buChar char="Ø"/>
+            </a:pPr>
+            <a:r>
+              <a:rPr lang="en-US" altLang="zh-CN" sz="2000" dirty="0"/>
+              <a:t>OC</a:t>
+            </a:r>
+            <a:r>
+              <a:rPr lang="zh-CN" altLang="zh-CN" sz="2000" dirty="0"/>
+              <a:t>利用类来创建对象，对象是类的具体存在</a:t>
+            </a:r>
+          </a:p>
+          <a:p>
+            <a:pPr marL="342900" lvl="0" indent="-342900">
+              <a:lnSpc>
+                <a:spcPct val="150000"/>
+              </a:lnSpc>
+              <a:buFont typeface="Wingdings" charset="2"/>
+              <a:buChar char="Ø"/>
+            </a:pPr>
+            <a:r>
+              <a:rPr lang="zh-CN" altLang="zh-CN" sz="2000" dirty="0"/>
+              <a:t>因此，面向对象解决问题应该是先考虑需要设计哪些类，再利用类创建多少个对</a:t>
+            </a:r>
+            <a:r>
+              <a:rPr lang="zh-CN" altLang="zh-CN" sz="2000" dirty="0" smtClean="0"/>
+              <a:t>象</a:t>
+            </a:r>
+            <a:endParaRPr lang="zh-CN" altLang="zh-CN" sz="2000" dirty="0"/>
+          </a:p>
+        </p:txBody>
+      </p:sp>
+    </p:spTree>
+    <p:extLst>
+      <p:ext uri="{BB962C8B-B14F-4D97-AF65-F5344CB8AC3E}">
+        <p14:creationId xmlns:p14="http://schemas.microsoft.com/office/powerpoint/2010/main" val="4070795212"/>
+      </p:ext>
+    </p:extLst>
+  </p:cSld>
+  <p:clrMapOvr>
+    <a:masterClrMapping/>
+  </p:clrMapOvr>
+  <p:timing>
+    <p:tnLst>
+      <p:par>
+        <p:cTn xmlns:p14="http://schemas.microsoft.com/office/powerpoint/2010/main" id="1" dur="indefinite" restart="never" nodeType="tmRoot"/>
+      </p:par>
+    </p:tnLst>
+  </p:timing>
+</p:sld>
+</file>
+
+<file path=ppt/slides/slide4.xml><?xml version="1.0" encoding="utf-8"?>
+<p:sld xmlns:a="http://schemas.openxmlformats.org/drawingml/2006/main" xmlns:r="http://schemas.openxmlformats.org/officeDocument/2006/relationships" xmlns:p="http://schemas.openxmlformats.org/presentationml/2006/main">
+  <p:cSld>
+    <p:spTree>
+      <p:nvGrpSpPr>
+        <p:cNvPr id="1" name=""/>
+        <p:cNvGrpSpPr/>
+        <p:nvPr/>
+      </p:nvGrpSpPr>
+      <p:grpSpPr>
+        <a:xfrm>
+          <a:off x="0" y="0"/>
+          <a:ext cx="0" cy="0"/>
+          <a:chOff x="0" y="0"/>
+          <a:chExt cx="0" cy="0"/>
+        </a:xfrm>
+      </p:grpSpPr>
+      <p:sp>
+        <p:nvSpPr>
+          <p:cNvPr id="2" name="标题 1"/>
+          <p:cNvSpPr>
+            <a:spLocks noGrp="1"/>
+          </p:cNvSpPr>
+          <p:nvPr>
+            <p:ph type="title"/>
+          </p:nvPr>
+        </p:nvSpPr>
+        <p:spPr/>
+        <p:txBody>
+          <a:bodyPr/>
+          <a:lstStyle/>
+          <a:p>
+            <a:r>
+              <a:rPr lang="zh-CN" altLang="zh-CN" b="0" dirty="0">
+                <a:effectLst/>
+              </a:rPr>
+              <a:t>定义</a:t>
+            </a:r>
+            <a:r>
+              <a:rPr lang="en-US" altLang="zh-CN" b="0" dirty="0">
+                <a:effectLst/>
+              </a:rPr>
+              <a:t>OC</a:t>
+            </a:r>
+            <a:r>
+              <a:rPr lang="zh-CN" altLang="zh-CN" b="0" dirty="0">
+                <a:effectLst/>
+              </a:rPr>
+              <a:t>的类和创建</a:t>
+            </a:r>
+            <a:r>
+              <a:rPr lang="en-US" altLang="zh-CN" b="0" dirty="0">
+                <a:effectLst/>
+              </a:rPr>
+              <a:t>OC</a:t>
+            </a:r>
+            <a:r>
+              <a:rPr lang="zh-CN" altLang="zh-CN" b="0" dirty="0">
+                <a:effectLst/>
+              </a:rPr>
+              <a:t>的对象</a:t>
+            </a:r>
+            <a:endParaRPr kumimoji="1" lang="zh-CN" altLang="en-US" b="0" dirty="0"/>
+          </a:p>
+        </p:txBody>
+      </p:sp>
+      <p:sp>
+        <p:nvSpPr>
+          <p:cNvPr id="3" name="幻灯片编号占位符 2"/>
+          <p:cNvSpPr>
+            <a:spLocks noGrp="1"/>
+          </p:cNvSpPr>
+          <p:nvPr>
+            <p:ph type="sldNum" sz="quarter" idx="4"/>
+          </p:nvPr>
+        </p:nvSpPr>
+        <p:spPr/>
+        <p:txBody>
+          <a:bodyPr/>
+          <a:lstStyle/>
+          <a:p>
+            <a:fld id="{BF10DB53-D7D3-4DB6-A29F-40217B92EC88}" type="slidenum">
+              <a:rPr lang="en-US" smtClean="0"/>
+              <a:pPr/>
+              <a:t>3</a:t>
+            </a:fld>
+            <a:endParaRPr lang="en-US" dirty="0"/>
+          </a:p>
+        </p:txBody>
+      </p:sp>
+      <p:sp>
+        <p:nvSpPr>
+          <p:cNvPr id="5" name="文本框 4"/>
+          <p:cNvSpPr txBox="1"/>
+          <p:nvPr/>
+        </p:nvSpPr>
+        <p:spPr>
+          <a:xfrm>
+            <a:off x="251520" y="1556792"/>
+            <a:ext cx="8352928" cy="4708981"/>
+          </a:xfrm>
+          <a:prstGeom prst="rect">
+            <a:avLst/>
+          </a:prstGeom>
+          <a:noFill/>
+        </p:spPr>
+        <p:txBody>
+          <a:bodyPr wrap="square" rtlCol="0">
+            <a:spAutoFit/>
+          </a:bodyPr>
+          <a:lstStyle/>
+          <a:p>
+            <a:pPr marL="342900" lvl="0" indent="-342900">
+              <a:buFont typeface="Wingdings" charset="2"/>
+              <a:buChar char="Ø"/>
+            </a:pPr>
+            <a:r>
+              <a:rPr lang="zh-CN" altLang="zh-CN" sz="2000" b="1" dirty="0"/>
+              <a:t>类的</a:t>
+            </a:r>
+            <a:r>
+              <a:rPr lang="zh-CN" altLang="zh-CN" sz="2000" b="1" dirty="0" smtClean="0"/>
+              <a:t>声明</a:t>
+            </a:r>
+            <a:endParaRPr lang="en-US" altLang="zh-CN" sz="2000" b="1" dirty="0" smtClean="0"/>
+          </a:p>
+          <a:p>
+            <a:pPr lvl="0"/>
+            <a:endParaRPr lang="en-US" altLang="zh-CN" sz="2000" b="1" dirty="0" smtClean="0"/>
+          </a:p>
+          <a:p>
+            <a:r>
+              <a:rPr lang="en-US" altLang="zh-CN" sz="2000" dirty="0"/>
+              <a:t>#import &lt;Foundation/</a:t>
+            </a:r>
+            <a:r>
+              <a:rPr lang="en-US" altLang="zh-CN" sz="2000" dirty="0" err="1"/>
+              <a:t>Foundation.h</a:t>
+            </a:r>
+            <a:r>
+              <a:rPr lang="en-US" altLang="zh-CN" sz="2000" dirty="0"/>
+              <a:t>&gt;</a:t>
+            </a:r>
+            <a:endParaRPr lang="zh-CN" altLang="zh-CN" sz="2000" dirty="0"/>
+          </a:p>
+          <a:p>
+            <a:endParaRPr lang="zh-CN" altLang="zh-CN" sz="2000" dirty="0"/>
+          </a:p>
+          <a:p>
+            <a:r>
+              <a:rPr lang="en-US" altLang="zh-CN" sz="2000" dirty="0"/>
+              <a:t>@interface Car : </a:t>
+            </a:r>
+            <a:r>
+              <a:rPr lang="en-US" altLang="zh-CN" sz="2000" dirty="0" err="1"/>
+              <a:t>NSObject</a:t>
+            </a:r>
+            <a:endParaRPr lang="zh-CN" altLang="zh-CN" sz="2000" dirty="0"/>
+          </a:p>
+          <a:p>
+            <a:r>
+              <a:rPr lang="en-US" altLang="zh-CN" sz="2000" dirty="0"/>
+              <a:t>{</a:t>
+            </a:r>
+            <a:endParaRPr lang="zh-CN" altLang="zh-CN" sz="2000" dirty="0"/>
+          </a:p>
+          <a:p>
+            <a:r>
+              <a:rPr lang="en-US" altLang="zh-CN" sz="2000" dirty="0"/>
+              <a:t>    @public</a:t>
+            </a:r>
+            <a:endParaRPr lang="zh-CN" altLang="zh-CN" sz="2000" dirty="0"/>
+          </a:p>
+          <a:p>
+            <a:r>
+              <a:rPr lang="en-US" altLang="zh-CN" sz="2000" dirty="0"/>
+              <a:t>    </a:t>
+            </a:r>
+            <a:r>
+              <a:rPr lang="en-US" altLang="zh-CN" sz="2000" dirty="0" err="1"/>
+              <a:t>int</a:t>
+            </a:r>
+            <a:r>
+              <a:rPr lang="en-US" altLang="zh-CN" sz="2000" dirty="0"/>
+              <a:t> wheels; // </a:t>
+            </a:r>
+            <a:r>
+              <a:rPr lang="zh-CN" altLang="zh-CN" sz="2000" dirty="0"/>
+              <a:t>多少个轮子</a:t>
+            </a:r>
+          </a:p>
+          <a:p>
+            <a:r>
+              <a:rPr lang="en-US" altLang="zh-CN" sz="2000" dirty="0"/>
+              <a:t>    </a:t>
+            </a:r>
+            <a:r>
+              <a:rPr lang="en-US" altLang="zh-CN" sz="2000" dirty="0" err="1"/>
+              <a:t>int</a:t>
+            </a:r>
+            <a:r>
+              <a:rPr lang="en-US" altLang="zh-CN" sz="2000" dirty="0"/>
+              <a:t> speed; </a:t>
+            </a:r>
+            <a:r>
+              <a:rPr lang="en-US" altLang="zh-CN" sz="2000" dirty="0" smtClean="0"/>
+              <a:t>/</a:t>
+            </a:r>
+            <a:r>
+              <a:rPr lang="en-US" altLang="zh-CN" sz="2000" dirty="0"/>
+              <a:t>/ </a:t>
+            </a:r>
+            <a:r>
+              <a:rPr lang="zh-CN" altLang="zh-CN" sz="2000" dirty="0"/>
+              <a:t>时速</a:t>
+            </a:r>
+          </a:p>
+          <a:p>
+            <a:r>
+              <a:rPr lang="en-US" altLang="zh-CN" sz="2000" dirty="0" smtClean="0"/>
+              <a:t>}</a:t>
+            </a:r>
+          </a:p>
+          <a:p>
+            <a:endParaRPr lang="zh-CN" altLang="zh-CN" sz="2000" dirty="0"/>
+          </a:p>
+          <a:p>
+            <a:pPr marL="342900" indent="-342900">
+              <a:buFontTx/>
+              <a:buChar char="-"/>
+            </a:pPr>
+            <a:r>
+              <a:rPr lang="en-US" altLang="zh-CN" sz="2000" dirty="0" smtClean="0"/>
+              <a:t>(</a:t>
+            </a:r>
+            <a:r>
+              <a:rPr lang="en-US" altLang="zh-CN" sz="2000" dirty="0"/>
+              <a:t>void)run; // </a:t>
+            </a:r>
+            <a:r>
+              <a:rPr lang="zh-CN" altLang="zh-CN" sz="2000" dirty="0"/>
+              <a:t>跑</a:t>
+            </a:r>
+            <a:r>
+              <a:rPr lang="zh-CN" altLang="zh-CN" sz="2000" dirty="0" smtClean="0"/>
+              <a:t>的行为</a:t>
+            </a:r>
+            <a:endParaRPr lang="en-US" altLang="zh-CN" sz="2000" dirty="0" smtClean="0"/>
+          </a:p>
+          <a:p>
+            <a:endParaRPr lang="zh-CN" altLang="zh-CN" sz="2000" dirty="0"/>
+          </a:p>
+          <a:p>
+            <a:r>
+              <a:rPr lang="en-US" altLang="zh-CN" sz="2000" dirty="0"/>
+              <a:t>@end</a:t>
+            </a:r>
+            <a:endParaRPr lang="zh-CN" altLang="zh-CN" sz="2000" dirty="0"/>
+          </a:p>
+          <a:p>
+            <a:pPr lvl="0"/>
+            <a:endParaRPr lang="zh-CN" altLang="zh-CN" sz="2000" b="1" dirty="0"/>
+          </a:p>
+        </p:txBody>
+      </p:sp>
+    </p:spTree>
+    <p:extLst>
+      <p:ext uri="{BB962C8B-B14F-4D97-AF65-F5344CB8AC3E}">
+        <p14:creationId xmlns:p14="http://schemas.microsoft.com/office/powerpoint/2010/main" val="3850076219"/>
+      </p:ext>
+    </p:extLst>
+  </p:cSld>
+  <p:clrMapOvr>
+    <a:masterClrMapping/>
+  </p:clrMapOvr>
+  <p:timing>
+    <p:tnLst>
+      <p:par>
+        <p:cTn xmlns:p14="http://schemas.microsoft.com/office/powerpoint/2010/main" id="1" dur="indefinite" restart="never" nodeType="tmRoot"/>
+      </p:par>
+    </p:tnLst>
+  </p:timing>
+</p:sld>
+</file>
+
+<file path=ppt/slides/slide5.xml><?xml version="1.0" encoding="utf-8"?>
+<p:sld xmlns:a="http://schemas.openxmlformats.org/drawingml/2006/main" xmlns:r="http://schemas.openxmlformats.org/officeDocument/2006/relationships" xmlns:p="http://schemas.openxmlformats.org/presentationml/2006/main">
+  <p:cSld>
+    <p:spTree>
+      <p:nvGrpSpPr>
+        <p:cNvPr id="1" name=""/>
+        <p:cNvGrpSpPr/>
+        <p:nvPr/>
+      </p:nvGrpSpPr>
+      <p:grpSpPr>
+        <a:xfrm>
+          <a:off x="0" y="0"/>
+          <a:ext cx="0" cy="0"/>
+          <a:chOff x="0" y="0"/>
+          <a:chExt cx="0" cy="0"/>
+        </a:xfrm>
+      </p:grpSpPr>
+      <p:sp>
+        <p:nvSpPr>
+          <p:cNvPr id="2" name="标题 1"/>
+          <p:cNvSpPr>
+            <a:spLocks noGrp="1"/>
+          </p:cNvSpPr>
+          <p:nvPr>
+            <p:ph type="title"/>
+          </p:nvPr>
+        </p:nvSpPr>
+        <p:spPr/>
+        <p:txBody>
+          <a:bodyPr/>
+          <a:lstStyle/>
+          <a:p>
+            <a:pPr lvl="0"/>
+            <a:r>
+              <a:rPr lang="zh-CN" altLang="zh-CN" b="0" dirty="0">
+                <a:effectLst/>
+              </a:rPr>
+              <a:t>定义</a:t>
+            </a:r>
+            <a:r>
+              <a:rPr lang="en-US" altLang="zh-CN" b="0" dirty="0">
+                <a:effectLst/>
+              </a:rPr>
+              <a:t>OC</a:t>
+            </a:r>
+            <a:r>
+              <a:rPr lang="zh-CN" altLang="zh-CN" b="0" dirty="0">
+                <a:effectLst/>
+              </a:rPr>
+              <a:t>的类和创建</a:t>
+            </a:r>
+            <a:r>
+              <a:rPr lang="en-US" altLang="zh-CN" b="0" dirty="0">
+                <a:effectLst/>
+              </a:rPr>
+              <a:t>OC</a:t>
+            </a:r>
+            <a:r>
+              <a:rPr lang="zh-CN" altLang="zh-CN" b="0" dirty="0">
+                <a:effectLst/>
+              </a:rPr>
+              <a:t>的对象</a:t>
+            </a:r>
+          </a:p>
+        </p:txBody>
+      </p:sp>
+      <p:sp>
+        <p:nvSpPr>
+          <p:cNvPr id="3" name="幻灯片编号占位符 2"/>
+          <p:cNvSpPr>
+            <a:spLocks noGrp="1"/>
+          </p:cNvSpPr>
+          <p:nvPr>
+            <p:ph type="sldNum" sz="quarter" idx="4"/>
+          </p:nvPr>
+        </p:nvSpPr>
+        <p:spPr/>
+        <p:txBody>
+          <a:bodyPr/>
+          <a:lstStyle/>
+          <a:p>
+            <a:fld id="{BF10DB53-D7D3-4DB6-A29F-40217B92EC88}" type="slidenum">
+              <a:rPr lang="en-US" smtClean="0"/>
+              <a:pPr/>
+              <a:t>4</a:t>
+            </a:fld>
+            <a:endParaRPr lang="en-US" dirty="0"/>
+          </a:p>
+        </p:txBody>
+      </p:sp>
+      <p:sp>
+        <p:nvSpPr>
+          <p:cNvPr id="5" name="文本框 4"/>
+          <p:cNvSpPr txBox="1"/>
+          <p:nvPr/>
+        </p:nvSpPr>
+        <p:spPr>
+          <a:xfrm>
+            <a:off x="251520" y="1340768"/>
+            <a:ext cx="8352928" cy="5281446"/>
+          </a:xfrm>
+          <a:prstGeom prst="rect">
+            <a:avLst/>
+          </a:prstGeom>
+          <a:noFill/>
+        </p:spPr>
+        <p:txBody>
+          <a:bodyPr wrap="square" rtlCol="0">
+            <a:spAutoFit/>
+          </a:bodyPr>
+          <a:lstStyle/>
+          <a:p>
+            <a:pPr marL="342900" lvl="0" indent="-342900">
+              <a:lnSpc>
+                <a:spcPct val="130000"/>
+              </a:lnSpc>
+              <a:buFont typeface="Wingdings" charset="2"/>
+              <a:buChar char="Ø"/>
+            </a:pPr>
+            <a:r>
+              <a:rPr lang="zh-CN" altLang="zh-CN" sz="2400" dirty="0" smtClean="0"/>
+              <a:t>成员变量</a:t>
+            </a:r>
+            <a:endParaRPr lang="en-US" altLang="zh-CN" sz="2400" dirty="0" smtClean="0"/>
+          </a:p>
+          <a:p>
+            <a:pPr lvl="0">
+              <a:lnSpc>
+                <a:spcPct val="130000"/>
+              </a:lnSpc>
+            </a:pPr>
+            <a:r>
+              <a:rPr lang="en-US" altLang="zh-CN" sz="2400" dirty="0"/>
+              <a:t>@interface</a:t>
+            </a:r>
+            <a:r>
+              <a:rPr lang="zh-CN" altLang="zh-CN" sz="2400" dirty="0"/>
+              <a:t>的大括号</a:t>
+            </a:r>
+            <a:r>
+              <a:rPr lang="en-US" altLang="zh-CN" sz="2400" dirty="0"/>
+              <a:t>{}</a:t>
+            </a:r>
+            <a:r>
+              <a:rPr lang="zh-CN" altLang="zh-CN" sz="2400" dirty="0"/>
+              <a:t>中声明的变量：</a:t>
+            </a:r>
+            <a:r>
+              <a:rPr lang="en-US" altLang="zh-CN" sz="2400" dirty="0"/>
+              <a:t>wheels</a:t>
+            </a:r>
+            <a:r>
+              <a:rPr lang="zh-CN" altLang="zh-CN" sz="2400" dirty="0"/>
+              <a:t>、</a:t>
+            </a:r>
+            <a:r>
+              <a:rPr lang="en-US" altLang="zh-CN" sz="2400" dirty="0"/>
+              <a:t>speed</a:t>
+            </a:r>
+            <a:endParaRPr lang="zh-CN" altLang="zh-CN" sz="2400" dirty="0"/>
+          </a:p>
+          <a:p>
+            <a:pPr lvl="0">
+              <a:lnSpc>
+                <a:spcPct val="130000"/>
+              </a:lnSpc>
+            </a:pPr>
+            <a:r>
+              <a:rPr lang="en-US" altLang="zh-CN" sz="2400" dirty="0"/>
+              <a:t>@interface</a:t>
+            </a:r>
+            <a:r>
+              <a:rPr lang="zh-CN" altLang="zh-CN" sz="2400" dirty="0"/>
+              <a:t>的大括号和函数的大括号是不一样的</a:t>
+            </a:r>
+          </a:p>
+          <a:p>
+            <a:pPr lvl="0">
+              <a:lnSpc>
+                <a:spcPct val="130000"/>
+              </a:lnSpc>
+            </a:pPr>
+            <a:r>
+              <a:rPr lang="zh-CN" altLang="zh-CN" sz="2400" dirty="0"/>
+              <a:t>默认会初始化为</a:t>
+            </a:r>
+            <a:r>
+              <a:rPr lang="en-US" altLang="zh-CN" sz="2400" dirty="0" smtClean="0"/>
+              <a:t>0</a:t>
+            </a:r>
+          </a:p>
+          <a:p>
+            <a:pPr lvl="0">
+              <a:lnSpc>
+                <a:spcPct val="130000"/>
+              </a:lnSpc>
+            </a:pPr>
+            <a:endParaRPr lang="en-US" altLang="zh-CN" sz="2400" dirty="0" smtClean="0"/>
+          </a:p>
+          <a:p>
+            <a:pPr marL="342900" lvl="0" indent="-342900">
+              <a:buFont typeface="Wingdings" charset="2"/>
+              <a:buChar char="Ø"/>
+            </a:pPr>
+            <a:r>
+              <a:rPr lang="en-US" altLang="zh-CN" sz="2400" dirty="0"/>
+              <a:t>@public</a:t>
+            </a:r>
+            <a:endParaRPr lang="zh-CN" altLang="zh-CN" sz="2400" dirty="0"/>
+          </a:p>
+          <a:p>
+            <a:r>
+              <a:rPr lang="en-US" altLang="zh-CN" sz="2400" dirty="0"/>
+              <a:t>@public</a:t>
+            </a:r>
+            <a:r>
+              <a:rPr lang="zh-CN" altLang="zh-CN" sz="2400" dirty="0"/>
+              <a:t>可以让</a:t>
+            </a:r>
+            <a:r>
+              <a:rPr lang="en-US" altLang="zh-CN" sz="2400" dirty="0"/>
+              <a:t>Car</a:t>
+            </a:r>
+            <a:r>
+              <a:rPr lang="zh-CN" altLang="zh-CN" sz="2400" dirty="0"/>
+              <a:t>对象的</a:t>
+            </a:r>
+            <a:r>
+              <a:rPr lang="en-US" altLang="zh-CN" sz="2400" dirty="0"/>
+              <a:t>wheels</a:t>
+            </a:r>
+            <a:r>
+              <a:rPr lang="zh-CN" altLang="zh-CN" sz="2400" dirty="0"/>
+              <a:t>和</a:t>
+            </a:r>
+            <a:r>
+              <a:rPr lang="en-US" altLang="zh-CN" sz="2400" dirty="0"/>
+              <a:t>speed</a:t>
+            </a:r>
+            <a:r>
+              <a:rPr lang="zh-CN" altLang="zh-CN" sz="2400" dirty="0"/>
+              <a:t>属性被外界访问</a:t>
+            </a:r>
+          </a:p>
+          <a:p>
+            <a:r>
+              <a:rPr lang="en-US" altLang="zh-CN" sz="2400" dirty="0"/>
+              <a:t> </a:t>
+            </a:r>
+            <a:endParaRPr lang="zh-CN" altLang="zh-CN" sz="2400" dirty="0"/>
+          </a:p>
+          <a:p>
+            <a:pPr marL="342900" lvl="0" indent="-342900">
+              <a:buFont typeface="Wingdings" charset="2"/>
+              <a:buChar char="Ø"/>
+            </a:pPr>
+            <a:r>
+              <a:rPr lang="en-US" altLang="zh-CN" sz="2400" dirty="0" err="1" smtClean="0"/>
+              <a:t>NSObject</a:t>
+            </a:r>
+            <a:endParaRPr lang="zh-CN" altLang="zh-CN" sz="2400" dirty="0"/>
+          </a:p>
+          <a:p>
+            <a:r>
+              <a:rPr lang="zh-CN" altLang="zh-CN" sz="2400" dirty="0"/>
+              <a:t>加上</a:t>
+            </a:r>
+            <a:r>
+              <a:rPr lang="en-US" altLang="zh-CN" sz="2400" dirty="0"/>
+              <a:t>:</a:t>
+            </a:r>
+            <a:r>
+              <a:rPr lang="en-US" altLang="zh-CN" sz="2400" dirty="0" err="1"/>
+              <a:t>NSObject</a:t>
+            </a:r>
+            <a:r>
+              <a:rPr lang="zh-CN" altLang="zh-CN" sz="2400" dirty="0"/>
+              <a:t>的目的是让</a:t>
+            </a:r>
+            <a:r>
+              <a:rPr lang="en-US" altLang="zh-CN" sz="2400" dirty="0"/>
+              <a:t>Car</a:t>
+            </a:r>
+            <a:r>
+              <a:rPr lang="zh-CN" altLang="zh-CN" sz="2400" dirty="0"/>
+              <a:t>类具备创建对象的能力</a:t>
+            </a:r>
+          </a:p>
+          <a:p>
+            <a:pPr lvl="0">
+              <a:lnSpc>
+                <a:spcPct val="130000"/>
+              </a:lnSpc>
+            </a:pPr>
+            <a:endParaRPr lang="zh-CN" altLang="zh-CN" sz="2400" dirty="0"/>
+          </a:p>
+          <a:p>
+            <a:pPr lvl="0">
+              <a:lnSpc>
+                <a:spcPct val="130000"/>
+              </a:lnSpc>
+            </a:pPr>
+            <a:endParaRPr lang="zh-CN" altLang="zh-CN" sz="2400" dirty="0"/>
+          </a:p>
+        </p:txBody>
+      </p:sp>
+    </p:spTree>
+    <p:extLst>
+      <p:ext uri="{BB962C8B-B14F-4D97-AF65-F5344CB8AC3E}">
+        <p14:creationId xmlns:p14="http://schemas.microsoft.com/office/powerpoint/2010/main" val="3981264698"/>
+      </p:ext>
+    </p:extLst>
+  </p:cSld>
+  <p:clrMapOvr>
+    <a:masterClrMapping/>
+  </p:clrMapOvr>
+  <p:timing>
+    <p:tnLst>
+      <p:par>
+        <p:cTn xmlns:p14="http://schemas.microsoft.com/office/powerpoint/2010/main" id="1" dur="indefinite" restart="never" nodeType="tmRoot"/>
+      </p:par>
+    </p:tnLst>
+  </p:timing>
+</p:sld>
+</file>
+
+<file path=ppt/slides/slide6.xml><?xml version="1.0" encoding="utf-8"?>
+<p:sld xmlns:a="http://schemas.openxmlformats.org/drawingml/2006/main" xmlns:r="http://schemas.openxmlformats.org/officeDocument/2006/relationships" xmlns:p="http://schemas.openxmlformats.org/presentationml/2006/main">
+  <p:cSld>
+    <p:spTree>
+      <p:nvGrpSpPr>
+        <p:cNvPr id="1" name=""/>
+        <p:cNvGrpSpPr/>
+        <p:nvPr/>
+      </p:nvGrpSpPr>
+      <p:grpSpPr>
+        <a:xfrm>
+          <a:off x="0" y="0"/>
+          <a:ext cx="0" cy="0"/>
+          <a:chOff x="0" y="0"/>
+          <a:chExt cx="0" cy="0"/>
+        </a:xfrm>
+      </p:grpSpPr>
+      <p:sp>
+        <p:nvSpPr>
+          <p:cNvPr id="2" name="标题 1"/>
+          <p:cNvSpPr>
+            <a:spLocks noGrp="1"/>
+          </p:cNvSpPr>
+          <p:nvPr>
+            <p:ph type="title"/>
+          </p:nvPr>
+        </p:nvSpPr>
+        <p:spPr/>
+        <p:txBody>
+          <a:bodyPr/>
+          <a:lstStyle/>
+          <a:p>
+            <a:pPr lvl="0"/>
+            <a:r>
+              <a:rPr lang="zh-CN" altLang="zh-CN" b="0" dirty="0">
+                <a:effectLst/>
+              </a:rPr>
+              <a:t>定义</a:t>
+            </a:r>
+            <a:r>
+              <a:rPr lang="en-US" altLang="zh-CN" b="0" dirty="0">
+                <a:effectLst/>
+              </a:rPr>
+              <a:t>OC</a:t>
+            </a:r>
+            <a:r>
+              <a:rPr lang="zh-CN" altLang="zh-CN" b="0" dirty="0">
+                <a:effectLst/>
+              </a:rPr>
+              <a:t>的类和创建</a:t>
+            </a:r>
+            <a:r>
+              <a:rPr lang="en-US" altLang="zh-CN" b="0" dirty="0">
+                <a:effectLst/>
+              </a:rPr>
+              <a:t>OC</a:t>
+            </a:r>
+            <a:r>
+              <a:rPr lang="zh-CN" altLang="zh-CN" b="0" dirty="0">
+                <a:effectLst/>
+              </a:rPr>
+              <a:t>的对象</a:t>
+            </a:r>
+          </a:p>
+        </p:txBody>
+      </p:sp>
+      <p:sp>
+        <p:nvSpPr>
+          <p:cNvPr id="3" name="幻灯片编号占位符 2"/>
+          <p:cNvSpPr>
+            <a:spLocks noGrp="1"/>
+          </p:cNvSpPr>
+          <p:nvPr>
+            <p:ph type="sldNum" sz="quarter" idx="4"/>
+          </p:nvPr>
+        </p:nvSpPr>
+        <p:spPr/>
+        <p:txBody>
+          <a:bodyPr/>
+          <a:lstStyle/>
+          <a:p>
+            <a:fld id="{BF10DB53-D7D3-4DB6-A29F-40217B92EC88}" type="slidenum">
+              <a:rPr lang="en-US" smtClean="0"/>
+              <a:pPr/>
+              <a:t>5</a:t>
+            </a:fld>
+            <a:endParaRPr lang="en-US" dirty="0"/>
+          </a:p>
+        </p:txBody>
+      </p:sp>
+      <p:sp>
+        <p:nvSpPr>
+          <p:cNvPr id="5" name="文本框 4"/>
+          <p:cNvSpPr txBox="1"/>
+          <p:nvPr/>
+        </p:nvSpPr>
+        <p:spPr>
+          <a:xfrm>
+            <a:off x="251520" y="1340768"/>
+            <a:ext cx="8640960" cy="4875181"/>
+          </a:xfrm>
+          <a:prstGeom prst="rect">
+            <a:avLst/>
+          </a:prstGeom>
+          <a:noFill/>
+        </p:spPr>
+        <p:txBody>
+          <a:bodyPr wrap="square" rtlCol="0">
+            <a:spAutoFit/>
+          </a:bodyPr>
+          <a:lstStyle/>
+          <a:p>
+            <a:pPr marL="342900" lvl="0" indent="-342900">
+              <a:lnSpc>
+                <a:spcPct val="130000"/>
+              </a:lnSpc>
+              <a:buFont typeface="Wingdings" charset="2"/>
+              <a:buChar char="Ø"/>
+            </a:pPr>
+            <a:r>
+              <a:rPr lang="zh-CN" altLang="zh-CN" sz="2400" b="1" dirty="0"/>
+              <a:t>类的实现</a:t>
+            </a:r>
+          </a:p>
+          <a:p>
+            <a:pPr>
+              <a:lnSpc>
+                <a:spcPct val="130000"/>
+              </a:lnSpc>
+            </a:pPr>
+            <a:endParaRPr lang="zh-CN" altLang="zh-CN" sz="2400" dirty="0"/>
+          </a:p>
+          <a:p>
+            <a:pPr>
+              <a:lnSpc>
+                <a:spcPct val="130000"/>
+              </a:lnSpc>
+            </a:pPr>
+            <a:r>
+              <a:rPr lang="en-US" altLang="zh-CN" sz="2400" dirty="0"/>
+              <a:t>@implementation </a:t>
+            </a:r>
+            <a:r>
+              <a:rPr lang="en-US" altLang="zh-CN" sz="2400" dirty="0" smtClean="0"/>
+              <a:t>Car</a:t>
+            </a:r>
+          </a:p>
+          <a:p>
+            <a:pPr>
+              <a:lnSpc>
+                <a:spcPct val="130000"/>
+              </a:lnSpc>
+            </a:pPr>
+            <a:endParaRPr lang="zh-CN" altLang="zh-CN" sz="2400" dirty="0"/>
+          </a:p>
+          <a:p>
+            <a:pPr>
+              <a:lnSpc>
+                <a:spcPct val="130000"/>
+              </a:lnSpc>
+            </a:pPr>
+            <a:r>
+              <a:rPr lang="en-US" altLang="zh-CN" sz="2400" dirty="0"/>
+              <a:t>- (void) run</a:t>
+            </a:r>
+            <a:endParaRPr lang="zh-CN" altLang="zh-CN" sz="2400" dirty="0"/>
+          </a:p>
+          <a:p>
+            <a:pPr>
+              <a:lnSpc>
+                <a:spcPct val="130000"/>
+              </a:lnSpc>
+            </a:pPr>
+            <a:r>
+              <a:rPr lang="en-US" altLang="zh-CN" sz="2400" dirty="0"/>
+              <a:t>{</a:t>
+            </a:r>
+            <a:endParaRPr lang="zh-CN" altLang="zh-CN" sz="2400" dirty="0"/>
+          </a:p>
+          <a:p>
+            <a:pPr>
+              <a:lnSpc>
+                <a:spcPct val="130000"/>
+              </a:lnSpc>
+            </a:pPr>
+            <a:r>
+              <a:rPr lang="en-US" altLang="zh-CN" sz="2400" dirty="0"/>
+              <a:t>    </a:t>
+            </a:r>
+            <a:r>
+              <a:rPr lang="en-US" altLang="zh-CN" sz="2400" dirty="0" err="1"/>
+              <a:t>NSLog</a:t>
+            </a:r>
+            <a:r>
+              <a:rPr lang="en-US" altLang="zh-CN" sz="2400" dirty="0"/>
+              <a:t>(@"%</a:t>
+            </a:r>
+            <a:r>
+              <a:rPr lang="en-US" altLang="zh-CN" sz="2400" dirty="0" err="1"/>
+              <a:t>i</a:t>
+            </a:r>
+            <a:r>
+              <a:rPr lang="zh-CN" altLang="zh-CN" sz="2400" dirty="0"/>
+              <a:t>个轮子，</a:t>
+            </a:r>
+            <a:r>
+              <a:rPr lang="en-US" altLang="zh-CN" sz="2400" dirty="0"/>
+              <a:t>%</a:t>
+            </a:r>
+            <a:r>
+              <a:rPr lang="en-US" altLang="zh-CN" sz="2400" dirty="0" err="1"/>
+              <a:t>i</a:t>
+            </a:r>
+            <a:r>
+              <a:rPr lang="zh-CN" altLang="zh-CN" sz="2400" dirty="0"/>
+              <a:t>时速的车子跑起来了</a:t>
+            </a:r>
+            <a:r>
+              <a:rPr lang="en-US" altLang="zh-CN" sz="2400" dirty="0"/>
+              <a:t>", wheels, speed);</a:t>
+            </a:r>
+            <a:endParaRPr lang="zh-CN" altLang="zh-CN" sz="2400" dirty="0"/>
+          </a:p>
+          <a:p>
+            <a:pPr>
+              <a:lnSpc>
+                <a:spcPct val="130000"/>
+              </a:lnSpc>
+            </a:pPr>
+            <a:r>
+              <a:rPr lang="en-US" altLang="zh-CN" sz="2400" dirty="0"/>
+              <a:t>}</a:t>
+            </a:r>
+            <a:endParaRPr lang="zh-CN" altLang="zh-CN" sz="2400" dirty="0"/>
+          </a:p>
+          <a:p>
+            <a:pPr>
+              <a:lnSpc>
+                <a:spcPct val="130000"/>
+              </a:lnSpc>
+            </a:pPr>
+            <a:r>
+              <a:rPr lang="en-US" altLang="zh-CN" sz="2400" dirty="0"/>
+              <a:t>@end</a:t>
+            </a:r>
+            <a:endParaRPr lang="zh-CN" altLang="zh-CN" sz="2400" dirty="0"/>
+          </a:p>
+        </p:txBody>
+      </p:sp>
+    </p:spTree>
+    <p:extLst>
+      <p:ext uri="{BB962C8B-B14F-4D97-AF65-F5344CB8AC3E}">
+        <p14:creationId xmlns:p14="http://schemas.microsoft.com/office/powerpoint/2010/main" val="1900450020"/>
+      </p:ext>
+    </p:extLst>
+  </p:cSld>
+  <p:clrMapOvr>
+    <a:masterClrMapping/>
+  </p:clrMapOvr>
+  <p:timing>
+    <p:tnLst>
+      <p:par>
+        <p:cTn xmlns:p14="http://schemas.microsoft.com/office/powerpoint/2010/main" id="1" dur="indefinite" restart="never" nodeType="tmRoot"/>
+      </p:par>
+    </p:tnLst>
+  </p:timing>
+</p:sld>
+</file>
+
+<file path=ppt/slides/slide7.xml><?xml version="1.0" encoding="utf-8"?>
+<p:sld xmlns:a="http://schemas.openxmlformats.org/drawingml/2006/main" xmlns:r="http://schemas.openxmlformats.org/officeDocument/2006/relationships" xmlns:p="http://schemas.openxmlformats.org/presentationml/2006/main">
+  <p:cSld>
+    <p:spTree>
+      <p:nvGrpSpPr>
+        <p:cNvPr id="1" name=""/>
+        <p:cNvGrpSpPr/>
+        <p:nvPr/>
+      </p:nvGrpSpPr>
+      <p:grpSpPr>
+        <a:xfrm>
+          <a:off x="0" y="0"/>
+          <a:ext cx="0" cy="0"/>
+          <a:chOff x="0" y="0"/>
+          <a:chExt cx="0" cy="0"/>
+        </a:xfrm>
+      </p:grpSpPr>
+      <p:sp>
+        <p:nvSpPr>
+          <p:cNvPr id="2" name="标题 1"/>
+          <p:cNvSpPr>
+            <a:spLocks noGrp="1"/>
+          </p:cNvSpPr>
+          <p:nvPr>
+            <p:ph type="title"/>
+          </p:nvPr>
+        </p:nvSpPr>
+        <p:spPr/>
+        <p:txBody>
+          <a:bodyPr/>
+          <a:lstStyle/>
+          <a:p>
+            <a:pPr lvl="0"/>
+            <a:r>
+              <a:rPr lang="zh-CN" altLang="en-US" b="0" dirty="0" smtClean="0">
+                <a:effectLst/>
+              </a:rPr>
+              <a:t>方法</a:t>
+            </a:r>
+            <a:endParaRPr lang="zh-CN" altLang="zh-CN" b="0" dirty="0">
+              <a:effectLst/>
+            </a:endParaRPr>
+          </a:p>
+        </p:txBody>
+      </p:sp>
+      <p:sp>
+        <p:nvSpPr>
+          <p:cNvPr id="3" name="幻灯片编号占位符 2"/>
+          <p:cNvSpPr>
+            <a:spLocks noGrp="1"/>
+          </p:cNvSpPr>
+          <p:nvPr>
+            <p:ph type="sldNum" sz="quarter" idx="4"/>
+          </p:nvPr>
+        </p:nvSpPr>
+        <p:spPr/>
+        <p:txBody>
+          <a:bodyPr/>
+          <a:lstStyle/>
+          <a:p>
+            <a:fld id="{BF10DB53-D7D3-4DB6-A29F-40217B92EC88}" type="slidenum">
+              <a:rPr lang="en-US" smtClean="0"/>
+              <a:pPr/>
+              <a:t>6</a:t>
+            </a:fld>
+            <a:endParaRPr lang="en-US" dirty="0"/>
+          </a:p>
+        </p:txBody>
+      </p:sp>
+      <p:pic>
+        <p:nvPicPr>
+          <p:cNvPr id="6" name="图片 5"/>
+          <p:cNvPicPr/>
+          <p:nvPr/>
+        </p:nvPicPr>
+        <p:blipFill>
+          <a:blip r:embed="rId2">
+            <a:extLst>
+              <a:ext uri="{28A0092B-C50C-407E-A947-70E740481C1C}">
+                <a14:useLocalDpi xmlns:a14="http://schemas.microsoft.com/office/drawing/2010/main" val="0"/>
+              </a:ext>
+            </a:extLst>
+          </a:blip>
+          <a:stretch>
+            <a:fillRect/>
+          </a:stretch>
+        </p:blipFill>
+        <p:spPr>
+          <a:xfrm>
+            <a:off x="323528" y="1772816"/>
+            <a:ext cx="8208912" cy="4608512"/>
+          </a:xfrm>
+          <a:prstGeom prst="rect">
+            <a:avLst/>
+          </a:prstGeom>
+        </p:spPr>
+      </p:pic>
+    </p:spTree>
+    <p:extLst>
+      <p:ext uri="{BB962C8B-B14F-4D97-AF65-F5344CB8AC3E}">
+        <p14:creationId xmlns:p14="http://schemas.microsoft.com/office/powerpoint/2010/main" val="1373619298"/>
+      </p:ext>
+    </p:extLst>
+  </p:cSld>
+  <p:clrMapOvr>
+    <a:masterClrMapping/>
+  </p:clrMapOvr>
+  <p:timing>
+    <p:tnLst>
+      <p:par>
+        <p:cTn xmlns:p14="http://schemas.microsoft.com/office/powerpoint/2010/main" id="1" dur="indefinite" restart="never" nodeType="tmRoot"/>
+      </p:par>
+    </p:tnLst>
+  </p:timing>
+</p:sld>
+</file>
+
+<file path=ppt/slides/slide8.xml><?xml version="1.0" encoding="utf-8"?>
+<p:sld xmlns:a="http://schemas.openxmlformats.org/drawingml/2006/main" xmlns:r="http://schemas.openxmlformats.org/officeDocument/2006/relationships" xmlns:p="http://schemas.openxmlformats.org/presentationml/2006/main">
+  <p:cSld>
+    <p:spTree>
+      <p:nvGrpSpPr>
+        <p:cNvPr id="1" name=""/>
+        <p:cNvGrpSpPr/>
+        <p:nvPr/>
+      </p:nvGrpSpPr>
+      <p:grpSpPr>
+        <a:xfrm>
+          <a:off x="0" y="0"/>
+          <a:ext cx="0" cy="0"/>
+          <a:chOff x="0" y="0"/>
+          <a:chExt cx="0" cy="0"/>
+        </a:xfrm>
+      </p:grpSpPr>
+      <p:sp>
+        <p:nvSpPr>
+          <p:cNvPr id="2" name="标题 1"/>
+          <p:cNvSpPr>
+            <a:spLocks noGrp="1"/>
+          </p:cNvSpPr>
+          <p:nvPr>
+            <p:ph type="title"/>
+          </p:nvPr>
+        </p:nvSpPr>
+        <p:spPr/>
+        <p:txBody>
+          <a:bodyPr/>
+          <a:lstStyle/>
+          <a:p>
+            <a:pPr lvl="0"/>
+            <a:r>
+              <a:rPr lang="zh-CN" altLang="en-US" b="0" dirty="0" smtClean="0">
+                <a:effectLst/>
+              </a:rPr>
+              <a:t>方法</a:t>
+            </a:r>
+            <a:endParaRPr lang="zh-CN" altLang="zh-CN" b="0" dirty="0">
+              <a:effectLst/>
+            </a:endParaRPr>
+          </a:p>
+        </p:txBody>
+      </p:sp>
+      <p:sp>
+        <p:nvSpPr>
+          <p:cNvPr id="3" name="幻灯片编号占位符 2"/>
+          <p:cNvSpPr>
+            <a:spLocks noGrp="1"/>
+          </p:cNvSpPr>
+          <p:nvPr>
+            <p:ph type="sldNum" sz="quarter" idx="4"/>
+          </p:nvPr>
+        </p:nvSpPr>
+        <p:spPr/>
+        <p:txBody>
+          <a:bodyPr/>
+          <a:lstStyle/>
+          <a:p>
+            <a:fld id="{BF10DB53-D7D3-4DB6-A29F-40217B92EC88}" type="slidenum">
+              <a:rPr lang="en-US" smtClean="0"/>
+              <a:pPr/>
+              <a:t>7</a:t>
+            </a:fld>
+            <a:endParaRPr lang="en-US" dirty="0"/>
+          </a:p>
+        </p:txBody>
+      </p:sp>
+      <p:pic>
+        <p:nvPicPr>
+          <p:cNvPr id="5" name="图片 4"/>
+          <p:cNvPicPr/>
+          <p:nvPr/>
+        </p:nvPicPr>
+        <p:blipFill>
+          <a:blip r:embed="rId2">
+            <a:extLst>
+              <a:ext uri="{28A0092B-C50C-407E-A947-70E740481C1C}">
+                <a14:useLocalDpi xmlns:a14="http://schemas.microsoft.com/office/drawing/2010/main" val="0"/>
+              </a:ext>
+            </a:extLst>
+          </a:blip>
+          <a:stretch>
+            <a:fillRect/>
+          </a:stretch>
+        </p:blipFill>
+        <p:spPr>
+          <a:xfrm>
+            <a:off x="395536" y="1700808"/>
+            <a:ext cx="6336704" cy="3600399"/>
+          </a:xfrm>
+          <a:prstGeom prst="rect">
+            <a:avLst/>
+          </a:prstGeom>
+        </p:spPr>
+      </p:pic>
+      <p:sp>
+        <p:nvSpPr>
+          <p:cNvPr id="4" name="文本框 3"/>
+          <p:cNvSpPr txBox="1"/>
+          <p:nvPr/>
+        </p:nvSpPr>
+        <p:spPr>
+          <a:xfrm>
+            <a:off x="323528" y="1196752"/>
+            <a:ext cx="3960440" cy="461665"/>
+          </a:xfrm>
+          <a:prstGeom prst="rect">
+            <a:avLst/>
+          </a:prstGeom>
+          <a:noFill/>
+        </p:spPr>
+        <p:txBody>
+          <a:bodyPr wrap="square" rtlCol="0">
+            <a:spAutoFit/>
+          </a:bodyPr>
+          <a:lstStyle/>
+          <a:p>
+            <a:pPr marL="342900" indent="-342900">
+              <a:buFont typeface="Wingdings" charset="2"/>
+              <a:buChar char="Ø"/>
+            </a:pPr>
+            <a:r>
+              <a:rPr kumimoji="1" lang="zh-CN" altLang="en-US" sz="2400" dirty="0" smtClean="0"/>
+              <a:t>方法的调用</a:t>
+            </a:r>
+            <a:endParaRPr kumimoji="1" lang="zh-CN" altLang="en-US" sz="2400" dirty="0"/>
+          </a:p>
+        </p:txBody>
+      </p:sp>
+      <p:sp>
+        <p:nvSpPr>
+          <p:cNvPr id="9" name="文本框 8"/>
+          <p:cNvSpPr txBox="1"/>
+          <p:nvPr/>
+        </p:nvSpPr>
+        <p:spPr>
+          <a:xfrm>
+            <a:off x="395536" y="5445224"/>
+            <a:ext cx="7776864" cy="1200328"/>
+          </a:xfrm>
+          <a:prstGeom prst="rect">
+            <a:avLst/>
+          </a:prstGeom>
+          <a:noFill/>
+        </p:spPr>
+        <p:txBody>
+          <a:bodyPr wrap="square" rtlCol="0">
+            <a:spAutoFit/>
+          </a:bodyPr>
+          <a:lstStyle/>
+          <a:p>
+            <a:pPr marL="342900" lvl="0" indent="-342900">
+              <a:buFont typeface="Wingdings" charset="2"/>
+              <a:buChar char="Ø"/>
+            </a:pPr>
+            <a:r>
+              <a:rPr lang="zh-CN" altLang="zh-CN" sz="2400" b="1" dirty="0"/>
+              <a:t>方法名注意</a:t>
+            </a:r>
+          </a:p>
+          <a:p>
+            <a:pPr marL="342900" lvl="0" indent="-342900">
+              <a:buFont typeface="Wingdings" charset="2"/>
+              <a:buChar char="l"/>
+            </a:pPr>
+            <a:r>
+              <a:rPr lang="zh-CN" altLang="zh-CN" sz="2400" dirty="0"/>
+              <a:t>冒号也是方法名的一部分</a:t>
+            </a:r>
+          </a:p>
+          <a:p>
+            <a:pPr marL="342900" lvl="0" indent="-342900">
+              <a:buFont typeface="Wingdings" charset="2"/>
+              <a:buChar char="l"/>
+            </a:pPr>
+            <a:r>
+              <a:rPr lang="zh-CN" altLang="zh-CN" sz="2400" dirty="0"/>
+              <a:t>同一个类中不允许两个对象方法同名</a:t>
+            </a:r>
+          </a:p>
+        </p:txBody>
+      </p:sp>
+    </p:spTree>
+    <p:extLst>
+      <p:ext uri="{BB962C8B-B14F-4D97-AF65-F5344CB8AC3E}">
+        <p14:creationId xmlns:p14="http://schemas.microsoft.com/office/powerpoint/2010/main" val="370421142"/>
       </p:ext>
     </p:extLst>
   </p:cSld>
